--- a/docs/songs/worthy of it all.pptx
+++ b/docs/songs/worthy of it all.pptx
@@ -5,10 +5,10 @@
     <p:sldMasterId id="2147483648" r:id="rId1"/>
   </p:sldMasterIdLst>
   <p:sldIdLst>
-    <p:sldId id="610" r:id="rId2"/>
-    <p:sldId id="518" r:id="rId3"/>
-    <p:sldId id="482" r:id="rId4"/>
-    <p:sldId id="611" r:id="rId5"/>
+    <p:sldId id="1026" r:id="rId2"/>
+    <p:sldId id="1027" r:id="rId3"/>
+    <p:sldId id="1028" r:id="rId4"/>
+    <p:sldId id="1029" r:id="rId5"/>
   </p:sldIdLst>
   <p:sldSz cx="9144000" cy="6858000" type="screen4x3"/>
   <p:notesSz cx="6858000" cy="9144000"/>
@@ -308,7 +308,7 @@
             <a:fld id="{26EA1CF3-4A15-4CBF-9A5A-6A56C368BE71}" type="datetimeFigureOut">
               <a:rPr lang="en-GB" smtClean="0"/>
               <a:pPr/>
-              <a:t>03/10/2022</a:t>
+              <a:t>25/09/2023</a:t>
             </a:fld>
             <a:endParaRPr lang="en-GB"/>
           </a:p>
@@ -475,7 +475,7 @@
             <a:fld id="{26EA1CF3-4A15-4CBF-9A5A-6A56C368BE71}" type="datetimeFigureOut">
               <a:rPr lang="en-GB" smtClean="0"/>
               <a:pPr/>
-              <a:t>03/10/2022</a:t>
+              <a:t>25/09/2023</a:t>
             </a:fld>
             <a:endParaRPr lang="en-GB"/>
           </a:p>
@@ -652,7 +652,7 @@
             <a:fld id="{26EA1CF3-4A15-4CBF-9A5A-6A56C368BE71}" type="datetimeFigureOut">
               <a:rPr lang="en-GB" smtClean="0"/>
               <a:pPr/>
-              <a:t>03/10/2022</a:t>
+              <a:t>25/09/2023</a:t>
             </a:fld>
             <a:endParaRPr lang="en-GB"/>
           </a:p>
@@ -819,7 +819,7 @@
             <a:fld id="{26EA1CF3-4A15-4CBF-9A5A-6A56C368BE71}" type="datetimeFigureOut">
               <a:rPr lang="en-GB" smtClean="0"/>
               <a:pPr/>
-              <a:t>03/10/2022</a:t>
+              <a:t>25/09/2023</a:t>
             </a:fld>
             <a:endParaRPr lang="en-GB"/>
           </a:p>
@@ -1062,7 +1062,7 @@
             <a:fld id="{26EA1CF3-4A15-4CBF-9A5A-6A56C368BE71}" type="datetimeFigureOut">
               <a:rPr lang="en-GB" smtClean="0"/>
               <a:pPr/>
-              <a:t>03/10/2022</a:t>
+              <a:t>25/09/2023</a:t>
             </a:fld>
             <a:endParaRPr lang="en-GB"/>
           </a:p>
@@ -1347,7 +1347,7 @@
             <a:fld id="{26EA1CF3-4A15-4CBF-9A5A-6A56C368BE71}" type="datetimeFigureOut">
               <a:rPr lang="en-GB" smtClean="0"/>
               <a:pPr/>
-              <a:t>03/10/2022</a:t>
+              <a:t>25/09/2023</a:t>
             </a:fld>
             <a:endParaRPr lang="en-GB"/>
           </a:p>
@@ -1766,7 +1766,7 @@
             <a:fld id="{26EA1CF3-4A15-4CBF-9A5A-6A56C368BE71}" type="datetimeFigureOut">
               <a:rPr lang="en-GB" smtClean="0"/>
               <a:pPr/>
-              <a:t>03/10/2022</a:t>
+              <a:t>25/09/2023</a:t>
             </a:fld>
             <a:endParaRPr lang="en-GB"/>
           </a:p>
@@ -1881,7 +1881,7 @@
             <a:fld id="{26EA1CF3-4A15-4CBF-9A5A-6A56C368BE71}" type="datetimeFigureOut">
               <a:rPr lang="en-GB" smtClean="0"/>
               <a:pPr/>
-              <a:t>03/10/2022</a:t>
+              <a:t>25/09/2023</a:t>
             </a:fld>
             <a:endParaRPr lang="en-GB"/>
           </a:p>
@@ -1973,7 +1973,7 @@
             <a:fld id="{26EA1CF3-4A15-4CBF-9A5A-6A56C368BE71}" type="datetimeFigureOut">
               <a:rPr lang="en-GB" smtClean="0"/>
               <a:pPr/>
-              <a:t>03/10/2022</a:t>
+              <a:t>25/09/2023</a:t>
             </a:fld>
             <a:endParaRPr lang="en-GB"/>
           </a:p>
@@ -2247,7 +2247,7 @@
             <a:fld id="{26EA1CF3-4A15-4CBF-9A5A-6A56C368BE71}" type="datetimeFigureOut">
               <a:rPr lang="en-GB" smtClean="0"/>
               <a:pPr/>
-              <a:t>03/10/2022</a:t>
+              <a:t>25/09/2023</a:t>
             </a:fld>
             <a:endParaRPr lang="en-GB"/>
           </a:p>
@@ -2497,7 +2497,7 @@
             <a:fld id="{26EA1CF3-4A15-4CBF-9A5A-6A56C368BE71}" type="datetimeFigureOut">
               <a:rPr lang="en-GB" smtClean="0"/>
               <a:pPr/>
-              <a:t>03/10/2022</a:t>
+              <a:t>25/09/2023</a:t>
             </a:fld>
             <a:endParaRPr lang="en-GB"/>
           </a:p>
@@ -2710,7 +2710,7 @@
             <a:fld id="{26EA1CF3-4A15-4CBF-9A5A-6A56C368BE71}" type="datetimeFigureOut">
               <a:rPr lang="en-GB" smtClean="0"/>
               <a:pPr/>
-              <a:t>03/10/2022</a:t>
+              <a:t>25/09/2023</a:t>
             </a:fld>
             <a:endParaRPr lang="en-GB"/>
           </a:p>
@@ -3282,7 +3282,7 @@
     </p:spTree>
     <p:extLst>
       <p:ext uri="{BB962C8B-B14F-4D97-AF65-F5344CB8AC3E}">
-        <p14:creationId xmlns:p14="http://schemas.microsoft.com/office/powerpoint/2010/main" val="361992050"/>
+        <p14:creationId xmlns:p14="http://schemas.microsoft.com/office/powerpoint/2010/main" val="3152724917"/>
       </p:ext>
     </p:extLst>
   </p:cSld>
@@ -3321,7 +3321,7 @@
         </p:nvSpPr>
         <p:spPr>
           <a:xfrm>
-            <a:off x="323528" y="188640"/>
+            <a:off x="175642" y="764704"/>
             <a:ext cx="8640960" cy="6480720"/>
           </a:xfrm>
         </p:spPr>
@@ -3408,7 +3408,7 @@
     </p:spTree>
     <p:extLst>
       <p:ext uri="{BB962C8B-B14F-4D97-AF65-F5344CB8AC3E}">
-        <p14:creationId xmlns:p14="http://schemas.microsoft.com/office/powerpoint/2010/main" val="4092947060"/>
+        <p14:creationId xmlns:p14="http://schemas.microsoft.com/office/powerpoint/2010/main" val="1584672846"/>
       </p:ext>
     </p:extLst>
   </p:cSld>
@@ -3447,7 +3447,7 @@
         </p:nvSpPr>
         <p:spPr>
           <a:xfrm>
-            <a:off x="323528" y="188640"/>
+            <a:off x="107504" y="764704"/>
             <a:ext cx="8640960" cy="6480720"/>
           </a:xfrm>
         </p:spPr>
@@ -3544,7 +3544,7 @@
     </p:spTree>
     <p:extLst>
       <p:ext uri="{BB962C8B-B14F-4D97-AF65-F5344CB8AC3E}">
-        <p14:creationId xmlns:p14="http://schemas.microsoft.com/office/powerpoint/2010/main" val="4188872441"/>
+        <p14:creationId xmlns:p14="http://schemas.microsoft.com/office/powerpoint/2010/main" val="3498919848"/>
       </p:ext>
     </p:extLst>
   </p:cSld>
@@ -3583,7 +3583,7 @@
         </p:nvSpPr>
         <p:spPr>
           <a:xfrm>
-            <a:off x="323528" y="188640"/>
+            <a:off x="30209" y="764704"/>
             <a:ext cx="8640960" cy="6480720"/>
           </a:xfrm>
         </p:spPr>
@@ -3631,13 +3631,6 @@
               </a:rPr>
               <a:t>(X4)</a:t>
             </a:r>
-          </a:p>
-          <a:p>
-            <a:endParaRPr lang="en-GB" sz="5000" dirty="0">
-              <a:solidFill>
-                <a:schemeClr val="bg1"/>
-              </a:solidFill>
-            </a:endParaRPr>
           </a:p>
           <a:p>
             <a:r>
@@ -3697,7 +3690,7 @@
     </p:spTree>
     <p:extLst>
       <p:ext uri="{BB962C8B-B14F-4D97-AF65-F5344CB8AC3E}">
-        <p14:creationId xmlns:p14="http://schemas.microsoft.com/office/powerpoint/2010/main" val="1538111676"/>
+        <p14:creationId xmlns:p14="http://schemas.microsoft.com/office/powerpoint/2010/main" val="1095156214"/>
       </p:ext>
     </p:extLst>
   </p:cSld>

--- a/docs/songs/worthy of it all.pptx
+++ b/docs/songs/worthy of it all.pptx
@@ -308,7 +308,7 @@
             <a:fld id="{26EA1CF3-4A15-4CBF-9A5A-6A56C368BE71}" type="datetimeFigureOut">
               <a:rPr lang="en-GB" smtClean="0"/>
               <a:pPr/>
-              <a:t>25/09/2023</a:t>
+              <a:t>30/09/2024</a:t>
             </a:fld>
             <a:endParaRPr lang="en-GB"/>
           </a:p>
@@ -475,7 +475,7 @@
             <a:fld id="{26EA1CF3-4A15-4CBF-9A5A-6A56C368BE71}" type="datetimeFigureOut">
               <a:rPr lang="en-GB" smtClean="0"/>
               <a:pPr/>
-              <a:t>25/09/2023</a:t>
+              <a:t>30/09/2024</a:t>
             </a:fld>
             <a:endParaRPr lang="en-GB"/>
           </a:p>
@@ -652,7 +652,7 @@
             <a:fld id="{26EA1CF3-4A15-4CBF-9A5A-6A56C368BE71}" type="datetimeFigureOut">
               <a:rPr lang="en-GB" smtClean="0"/>
               <a:pPr/>
-              <a:t>25/09/2023</a:t>
+              <a:t>30/09/2024</a:t>
             </a:fld>
             <a:endParaRPr lang="en-GB"/>
           </a:p>
@@ -819,7 +819,7 @@
             <a:fld id="{26EA1CF3-4A15-4CBF-9A5A-6A56C368BE71}" type="datetimeFigureOut">
               <a:rPr lang="en-GB" smtClean="0"/>
               <a:pPr/>
-              <a:t>25/09/2023</a:t>
+              <a:t>30/09/2024</a:t>
             </a:fld>
             <a:endParaRPr lang="en-GB"/>
           </a:p>
@@ -1062,7 +1062,7 @@
             <a:fld id="{26EA1CF3-4A15-4CBF-9A5A-6A56C368BE71}" type="datetimeFigureOut">
               <a:rPr lang="en-GB" smtClean="0"/>
               <a:pPr/>
-              <a:t>25/09/2023</a:t>
+              <a:t>30/09/2024</a:t>
             </a:fld>
             <a:endParaRPr lang="en-GB"/>
           </a:p>
@@ -1347,7 +1347,7 @@
             <a:fld id="{26EA1CF3-4A15-4CBF-9A5A-6A56C368BE71}" type="datetimeFigureOut">
               <a:rPr lang="en-GB" smtClean="0"/>
               <a:pPr/>
-              <a:t>25/09/2023</a:t>
+              <a:t>30/09/2024</a:t>
             </a:fld>
             <a:endParaRPr lang="en-GB"/>
           </a:p>
@@ -1766,7 +1766,7 @@
             <a:fld id="{26EA1CF3-4A15-4CBF-9A5A-6A56C368BE71}" type="datetimeFigureOut">
               <a:rPr lang="en-GB" smtClean="0"/>
               <a:pPr/>
-              <a:t>25/09/2023</a:t>
+              <a:t>30/09/2024</a:t>
             </a:fld>
             <a:endParaRPr lang="en-GB"/>
           </a:p>
@@ -1881,7 +1881,7 @@
             <a:fld id="{26EA1CF3-4A15-4CBF-9A5A-6A56C368BE71}" type="datetimeFigureOut">
               <a:rPr lang="en-GB" smtClean="0"/>
               <a:pPr/>
-              <a:t>25/09/2023</a:t>
+              <a:t>30/09/2024</a:t>
             </a:fld>
             <a:endParaRPr lang="en-GB"/>
           </a:p>
@@ -1973,7 +1973,7 @@
             <a:fld id="{26EA1CF3-4A15-4CBF-9A5A-6A56C368BE71}" type="datetimeFigureOut">
               <a:rPr lang="en-GB" smtClean="0"/>
               <a:pPr/>
-              <a:t>25/09/2023</a:t>
+              <a:t>30/09/2024</a:t>
             </a:fld>
             <a:endParaRPr lang="en-GB"/>
           </a:p>
@@ -2247,7 +2247,7 @@
             <a:fld id="{26EA1CF3-4A15-4CBF-9A5A-6A56C368BE71}" type="datetimeFigureOut">
               <a:rPr lang="en-GB" smtClean="0"/>
               <a:pPr/>
-              <a:t>25/09/2023</a:t>
+              <a:t>30/09/2024</a:t>
             </a:fld>
             <a:endParaRPr lang="en-GB"/>
           </a:p>
@@ -2497,7 +2497,7 @@
             <a:fld id="{26EA1CF3-4A15-4CBF-9A5A-6A56C368BE71}" type="datetimeFigureOut">
               <a:rPr lang="en-GB" smtClean="0"/>
               <a:pPr/>
-              <a:t>25/09/2023</a:t>
+              <a:t>30/09/2024</a:t>
             </a:fld>
             <a:endParaRPr lang="en-GB"/>
           </a:p>
@@ -2710,7 +2710,7 @@
             <a:fld id="{26EA1CF3-4A15-4CBF-9A5A-6A56C368BE71}" type="datetimeFigureOut">
               <a:rPr lang="en-GB" smtClean="0"/>
               <a:pPr/>
-              <a:t>25/09/2023</a:t>
+              <a:t>30/09/2024</a:t>
             </a:fld>
             <a:endParaRPr lang="en-GB"/>
           </a:p>
@@ -3332,7 +3332,7 @@
           <a:lstStyle/>
           <a:p>
             <a:r>
-              <a:rPr lang="en-GB" sz="5400" dirty="0">
+              <a:rPr lang="en-GB" sz="3600" dirty="0">
                 <a:solidFill>
                   <a:schemeClr val="bg1"/>
                 </a:solidFill>
@@ -3342,7 +3342,7 @@
           </a:p>
           <a:p>
             <a:r>
-              <a:rPr lang="en-GB" sz="5400" dirty="0">
+              <a:rPr lang="en-GB" sz="3600" dirty="0">
                 <a:solidFill>
                   <a:schemeClr val="bg1"/>
                 </a:solidFill>
@@ -3352,7 +3352,7 @@
           </a:p>
           <a:p>
             <a:r>
-              <a:rPr lang="en-GB" sz="5400" dirty="0">
+              <a:rPr lang="en-GB" sz="3600" dirty="0">
                 <a:solidFill>
                   <a:schemeClr val="bg1"/>
                 </a:solidFill>
@@ -3362,7 +3362,7 @@
           </a:p>
           <a:p>
             <a:r>
-              <a:rPr lang="en-GB" sz="5400" dirty="0">
+              <a:rPr lang="en-GB" sz="3600" dirty="0">
                 <a:solidFill>
                   <a:schemeClr val="bg1"/>
                 </a:solidFill>
@@ -3458,7 +3458,7 @@
           <a:lstStyle/>
           <a:p>
             <a:r>
-              <a:rPr lang="en-GB" sz="5400" dirty="0">
+              <a:rPr lang="en-GB" sz="3600" dirty="0">
                 <a:solidFill>
                   <a:schemeClr val="bg1"/>
                 </a:solidFill>
@@ -3468,7 +3468,7 @@
           </a:p>
           <a:p>
             <a:r>
-              <a:rPr lang="en-GB" sz="5400" dirty="0">
+              <a:rPr lang="en-GB" sz="3600" dirty="0">
                 <a:solidFill>
                   <a:schemeClr val="bg1"/>
                 </a:solidFill>
@@ -3478,7 +3478,7 @@
           </a:p>
           <a:p>
             <a:r>
-              <a:rPr lang="en-GB" sz="5400" dirty="0">
+              <a:rPr lang="en-GB" sz="3600" dirty="0">
                 <a:solidFill>
                   <a:schemeClr val="bg1"/>
                 </a:solidFill>
@@ -3488,7 +3488,7 @@
           </a:p>
           <a:p>
             <a:r>
-              <a:rPr lang="en-GB" sz="5400" dirty="0">
+              <a:rPr lang="en-GB" sz="3600" dirty="0">
                 <a:solidFill>
                   <a:schemeClr val="bg1"/>
                 </a:solidFill>
@@ -3498,7 +3498,7 @@
           </a:p>
           <a:p>
             <a:r>
-              <a:rPr lang="en-GB" sz="5400" dirty="0">
+              <a:rPr lang="en-GB" sz="3600" dirty="0">
                 <a:solidFill>
                   <a:schemeClr val="bg1"/>
                 </a:solidFill>
@@ -3594,7 +3594,7 @@
           <a:lstStyle/>
           <a:p>
             <a:r>
-              <a:rPr lang="en-GB" sz="5000" dirty="0">
+              <a:rPr lang="en-GB" sz="3600" dirty="0">
                 <a:solidFill>
                   <a:schemeClr val="bg1"/>
                 </a:solidFill>
@@ -3604,7 +3604,7 @@
           </a:p>
           <a:p>
             <a:r>
-              <a:rPr lang="en-GB" sz="5000" dirty="0">
+              <a:rPr lang="en-GB" sz="3600" dirty="0">
                 <a:solidFill>
                   <a:schemeClr val="bg1"/>
                 </a:solidFill>
@@ -3614,7 +3614,7 @@
           </a:p>
           <a:p>
             <a:r>
-              <a:rPr lang="en-GB" sz="5000" dirty="0">
+              <a:rPr lang="en-GB" sz="3600" dirty="0">
                 <a:solidFill>
                   <a:schemeClr val="bg1"/>
                 </a:solidFill>
@@ -3624,7 +3624,7 @@
           </a:p>
           <a:p>
             <a:r>
-              <a:rPr lang="en-GB" sz="5000" dirty="0">
+              <a:rPr lang="en-GB" sz="3600" dirty="0">
                 <a:solidFill>
                   <a:schemeClr val="bg1"/>
                 </a:solidFill>
@@ -3634,7 +3634,7 @@
           </a:p>
           <a:p>
             <a:r>
-              <a:rPr lang="en-GB" sz="5000" dirty="0">
+              <a:rPr lang="en-GB" sz="3600" dirty="0">
                 <a:solidFill>
                   <a:schemeClr val="bg1"/>
                 </a:solidFill>
@@ -3644,7 +3644,7 @@
           </a:p>
           <a:p>
             <a:r>
-              <a:rPr lang="en-GB" sz="5000" dirty="0">
+              <a:rPr lang="en-GB" sz="3600" dirty="0">
                 <a:solidFill>
                   <a:schemeClr val="bg1"/>
                 </a:solidFill>

--- a/docs/songs/worthy of it all.pptx
+++ b/docs/songs/worthy of it all.pptx
@@ -9,6 +9,7 @@
     <p:sldId id="1027" r:id="rId3"/>
     <p:sldId id="1028" r:id="rId4"/>
     <p:sldId id="1029" r:id="rId5"/>
+    <p:sldId id="1030" r:id="rId6"/>
   </p:sldIdLst>
   <p:sldSz cx="9144000" cy="6858000" type="screen4x3"/>
   <p:notesSz cx="6858000" cy="9144000"/>
@@ -308,7 +309,7 @@
             <a:fld id="{26EA1CF3-4A15-4CBF-9A5A-6A56C368BE71}" type="datetimeFigureOut">
               <a:rPr lang="en-GB" smtClean="0"/>
               <a:pPr/>
-              <a:t>30/09/2024</a:t>
+              <a:t>17/03/2025</a:t>
             </a:fld>
             <a:endParaRPr lang="en-GB"/>
           </a:p>
@@ -475,7 +476,7 @@
             <a:fld id="{26EA1CF3-4A15-4CBF-9A5A-6A56C368BE71}" type="datetimeFigureOut">
               <a:rPr lang="en-GB" smtClean="0"/>
               <a:pPr/>
-              <a:t>30/09/2024</a:t>
+              <a:t>17/03/2025</a:t>
             </a:fld>
             <a:endParaRPr lang="en-GB"/>
           </a:p>
@@ -652,7 +653,7 @@
             <a:fld id="{26EA1CF3-4A15-4CBF-9A5A-6A56C368BE71}" type="datetimeFigureOut">
               <a:rPr lang="en-GB" smtClean="0"/>
               <a:pPr/>
-              <a:t>30/09/2024</a:t>
+              <a:t>17/03/2025</a:t>
             </a:fld>
             <a:endParaRPr lang="en-GB"/>
           </a:p>
@@ -819,7 +820,7 @@
             <a:fld id="{26EA1CF3-4A15-4CBF-9A5A-6A56C368BE71}" type="datetimeFigureOut">
               <a:rPr lang="en-GB" smtClean="0"/>
               <a:pPr/>
-              <a:t>30/09/2024</a:t>
+              <a:t>17/03/2025</a:t>
             </a:fld>
             <a:endParaRPr lang="en-GB"/>
           </a:p>
@@ -1062,7 +1063,7 @@
             <a:fld id="{26EA1CF3-4A15-4CBF-9A5A-6A56C368BE71}" type="datetimeFigureOut">
               <a:rPr lang="en-GB" smtClean="0"/>
               <a:pPr/>
-              <a:t>30/09/2024</a:t>
+              <a:t>17/03/2025</a:t>
             </a:fld>
             <a:endParaRPr lang="en-GB"/>
           </a:p>
@@ -1347,7 +1348,7 @@
             <a:fld id="{26EA1CF3-4A15-4CBF-9A5A-6A56C368BE71}" type="datetimeFigureOut">
               <a:rPr lang="en-GB" smtClean="0"/>
               <a:pPr/>
-              <a:t>30/09/2024</a:t>
+              <a:t>17/03/2025</a:t>
             </a:fld>
             <a:endParaRPr lang="en-GB"/>
           </a:p>
@@ -1766,7 +1767,7 @@
             <a:fld id="{26EA1CF3-4A15-4CBF-9A5A-6A56C368BE71}" type="datetimeFigureOut">
               <a:rPr lang="en-GB" smtClean="0"/>
               <a:pPr/>
-              <a:t>30/09/2024</a:t>
+              <a:t>17/03/2025</a:t>
             </a:fld>
             <a:endParaRPr lang="en-GB"/>
           </a:p>
@@ -1881,7 +1882,7 @@
             <a:fld id="{26EA1CF3-4A15-4CBF-9A5A-6A56C368BE71}" type="datetimeFigureOut">
               <a:rPr lang="en-GB" smtClean="0"/>
               <a:pPr/>
-              <a:t>30/09/2024</a:t>
+              <a:t>17/03/2025</a:t>
             </a:fld>
             <a:endParaRPr lang="en-GB"/>
           </a:p>
@@ -1973,7 +1974,7 @@
             <a:fld id="{26EA1CF3-4A15-4CBF-9A5A-6A56C368BE71}" type="datetimeFigureOut">
               <a:rPr lang="en-GB" smtClean="0"/>
               <a:pPr/>
-              <a:t>30/09/2024</a:t>
+              <a:t>17/03/2025</a:t>
             </a:fld>
             <a:endParaRPr lang="en-GB"/>
           </a:p>
@@ -2247,7 +2248,7 @@
             <a:fld id="{26EA1CF3-4A15-4CBF-9A5A-6A56C368BE71}" type="datetimeFigureOut">
               <a:rPr lang="en-GB" smtClean="0"/>
               <a:pPr/>
-              <a:t>30/09/2024</a:t>
+              <a:t>17/03/2025</a:t>
             </a:fld>
             <a:endParaRPr lang="en-GB"/>
           </a:p>
@@ -2497,7 +2498,7 @@
             <a:fld id="{26EA1CF3-4A15-4CBF-9A5A-6A56C368BE71}" type="datetimeFigureOut">
               <a:rPr lang="en-GB" smtClean="0"/>
               <a:pPr/>
-              <a:t>30/09/2024</a:t>
+              <a:t>17/03/2025</a:t>
             </a:fld>
             <a:endParaRPr lang="en-GB"/>
           </a:p>
@@ -2710,7 +2711,7 @@
             <a:fld id="{26EA1CF3-4A15-4CBF-9A5A-6A56C368BE71}" type="datetimeFigureOut">
               <a:rPr lang="en-GB" smtClean="0"/>
               <a:pPr/>
-              <a:t>30/09/2024</a:t>
+              <a:t>17/03/2025</a:t>
             </a:fld>
             <a:endParaRPr lang="en-GB"/>
           </a:p>
@@ -3400,7 +3401,7 @@
                   <a:schemeClr val="bg1"/>
                 </a:solidFill>
               </a:rPr>
-              <a:t>1/3</a:t>
+              <a:t>1/4</a:t>
             </a:r>
           </a:p>
         </p:txBody>
@@ -3536,7 +3537,7 @@
                   <a:schemeClr val="bg1"/>
                 </a:solidFill>
               </a:rPr>
-              <a:t>2/3</a:t>
+              <a:t>2/4</a:t>
             </a:r>
           </a:p>
         </p:txBody>
@@ -3682,7 +3683,7 @@
                   <a:schemeClr val="bg1"/>
                 </a:solidFill>
               </a:rPr>
-              <a:t>3/3</a:t>
+              <a:t>3/4</a:t>
             </a:r>
           </a:p>
         </p:txBody>
@@ -3691,6 +3692,160 @@
     <p:extLst>
       <p:ext uri="{BB962C8B-B14F-4D97-AF65-F5344CB8AC3E}">
         <p14:creationId xmlns:p14="http://schemas.microsoft.com/office/powerpoint/2010/main" val="1095156214"/>
+      </p:ext>
+    </p:extLst>
+  </p:cSld>
+  <p:clrMapOvr>
+    <a:masterClrMapping/>
+  </p:clrMapOvr>
+</p:sld>
+</file>
+
+<file path=ppt/slides/slide5.xml><?xml version="1.0" encoding="utf-8"?>
+<p:sld xmlns:a="http://schemas.openxmlformats.org/drawingml/2006/main" xmlns:r="http://schemas.openxmlformats.org/officeDocument/2006/relationships" xmlns:p="http://schemas.openxmlformats.org/presentationml/2006/main">
+  <p:cSld>
+    <p:spTree>
+      <p:nvGrpSpPr>
+        <p:cNvPr id="1" name="">
+          <a:extLst>
+            <a:ext uri="{FF2B5EF4-FFF2-40B4-BE49-F238E27FC236}">
+              <a16:creationId xmlns:a16="http://schemas.microsoft.com/office/drawing/2014/main" id="{7B8CF8AE-215D-4A23-841C-79813C3D6FFA}"/>
+            </a:ext>
+          </a:extLst>
+        </p:cNvPr>
+        <p:cNvGrpSpPr/>
+        <p:nvPr/>
+      </p:nvGrpSpPr>
+      <p:grpSpPr>
+        <a:xfrm>
+          <a:off x="0" y="0"/>
+          <a:ext cx="0" cy="0"/>
+          <a:chOff x="0" y="0"/>
+          <a:chExt cx="0" cy="0"/>
+        </a:xfrm>
+      </p:grpSpPr>
+      <p:sp>
+        <p:nvSpPr>
+          <p:cNvPr id="3" name="Subtitle 2">
+            <a:extLst>
+              <a:ext uri="{FF2B5EF4-FFF2-40B4-BE49-F238E27FC236}">
+                <a16:creationId xmlns:a16="http://schemas.microsoft.com/office/drawing/2014/main" id="{A2F296BA-95CB-8863-72AE-0A00CCEBBF2A}"/>
+              </a:ext>
+            </a:extLst>
+          </p:cNvPr>
+          <p:cNvSpPr>
+            <a:spLocks noGrp="1"/>
+          </p:cNvSpPr>
+          <p:nvPr>
+            <p:ph type="subTitle" idx="1"/>
+          </p:nvPr>
+        </p:nvSpPr>
+        <p:spPr>
+          <a:xfrm>
+            <a:off x="107504" y="764704"/>
+            <a:ext cx="8640960" cy="6480720"/>
+          </a:xfrm>
+        </p:spPr>
+        <p:txBody>
+          <a:bodyPr>
+            <a:noAutofit/>
+          </a:bodyPr>
+          <a:lstStyle/>
+          <a:p>
+            <a:r>
+              <a:rPr lang="en-GB" sz="3600" dirty="0">
+                <a:solidFill>
+                  <a:schemeClr val="bg1"/>
+                </a:solidFill>
+              </a:rPr>
+              <a:t>You are worthy of it all</a:t>
+            </a:r>
+          </a:p>
+          <a:p>
+            <a:r>
+              <a:rPr lang="en-GB" sz="3600" dirty="0">
+                <a:solidFill>
+                  <a:schemeClr val="bg1"/>
+                </a:solidFill>
+              </a:rPr>
+              <a:t>You are worthy of it all</a:t>
+            </a:r>
+          </a:p>
+          <a:p>
+            <a:r>
+              <a:rPr lang="en-GB" sz="3600" dirty="0">
+                <a:solidFill>
+                  <a:schemeClr val="bg1"/>
+                </a:solidFill>
+              </a:rPr>
+              <a:t>For from You are all things</a:t>
+            </a:r>
+          </a:p>
+          <a:p>
+            <a:r>
+              <a:rPr lang="en-GB" sz="3600" dirty="0">
+                <a:solidFill>
+                  <a:schemeClr val="bg1"/>
+                </a:solidFill>
+              </a:rPr>
+              <a:t>And to You are all things</a:t>
+            </a:r>
+          </a:p>
+          <a:p>
+            <a:r>
+              <a:rPr lang="en-GB" sz="3600" dirty="0">
+                <a:solidFill>
+                  <a:schemeClr val="bg1"/>
+                </a:solidFill>
+              </a:rPr>
+              <a:t>You deserve the glory</a:t>
+            </a:r>
+          </a:p>
+        </p:txBody>
+      </p:sp>
+      <p:sp>
+        <p:nvSpPr>
+          <p:cNvPr id="4" name="TextBox 3">
+            <a:extLst>
+              <a:ext uri="{FF2B5EF4-FFF2-40B4-BE49-F238E27FC236}">
+                <a16:creationId xmlns:a16="http://schemas.microsoft.com/office/drawing/2014/main" id="{C1C9E39C-5AA8-D84C-043C-D9B3C2EC5DD6}"/>
+              </a:ext>
+            </a:extLst>
+          </p:cNvPr>
+          <p:cNvSpPr txBox="1"/>
+          <p:nvPr/>
+        </p:nvSpPr>
+        <p:spPr>
+          <a:xfrm>
+            <a:off x="8529729" y="0"/>
+            <a:ext cx="628698" cy="461665"/>
+          </a:xfrm>
+          <a:prstGeom prst="rect">
+            <a:avLst/>
+          </a:prstGeom>
+          <a:noFill/>
+        </p:spPr>
+        <p:txBody>
+          <a:bodyPr wrap="none" rtlCol="0">
+            <a:spAutoFit/>
+          </a:bodyPr>
+          <a:lstStyle/>
+          <a:p>
+            <a:r>
+              <a:rPr lang="en-GB" sz="2400" b="1" dirty="0">
+                <a:solidFill>
+                  <a:schemeClr val="bg1"/>
+                </a:solidFill>
+              </a:rPr>
+              <a:t>4/4</a:t>
+            </a:r>
+          </a:p>
+        </p:txBody>
+      </p:sp>
+    </p:spTree>
+    <p:extLst>
+      <p:ext uri="{BB962C8B-B14F-4D97-AF65-F5344CB8AC3E}">
+        <p14:creationId xmlns:p14="http://schemas.microsoft.com/office/powerpoint/2010/main" val="745680105"/>
       </p:ext>
     </p:extLst>
   </p:cSld>
